--- a/Style-made-easy.pptx
+++ b/Style-made-easy.pptx
@@ -4333,7 +4333,7 @@
         <p:spPr bwMode="auto">
           <a:xfrm>
             <a:off x="539552" y="486420"/>
-            <a:ext cx="4176464" cy="4076244"/>
+            <a:ext cx="4176464" cy="5461239"/>
           </a:xfrm>
           <a:prstGeom prst="rect">
             <a:avLst/>
@@ -4371,6 +4371,31 @@
               </a:rPr>
               <a:t>STYLE</a:t>
             </a:r>
+            <a:r>
+              <a:rPr lang="en-US" altLang="ko-KR" sz="6000" b="1">
+                <a:solidFill>
+                  <a:schemeClr val="tx1">
+                    <a:lumMod val="75000"/>
+                    <a:lumOff val="25000"/>
+                  </a:schemeClr>
+                </a:solidFill>
+                <a:latin typeface="Arial" pitchFamily="34" charset="0"/>
+                <a:ea typeface="맑은 고딕" pitchFamily="50" charset="-127"/>
+                <a:cs typeface="Arial" pitchFamily="34" charset="0"/>
+              </a:rPr>
+              <a:t>/hello</a:t>
+            </a:r>
+            <a:endParaRPr lang="en-US" altLang="ko-KR" sz="6000" b="1" dirty="0">
+              <a:solidFill>
+                <a:schemeClr val="tx1">
+                  <a:lumMod val="75000"/>
+                  <a:lumOff val="25000"/>
+                </a:schemeClr>
+              </a:solidFill>
+              <a:latin typeface="Arial" pitchFamily="34" charset="0"/>
+              <a:ea typeface="맑은 고딕" pitchFamily="50" charset="-127"/>
+              <a:cs typeface="Arial" pitchFamily="34" charset="0"/>
+            </a:endParaRPr>
           </a:p>
           <a:p>
             <a:pPr>
